--- a/assets/Slides (2024)/pptx/0-clean-code.pptx
+++ b/assets/Slides (2024)/pptx/0-clean-code.pptx
@@ -3112,19 +3112,7 @@
               <a:rPr lang="sv-SE" dirty="0">
                 <a:hlinkClick r:id="rId2"/>
               </a:rPr>
-              <a:t>https://github.com/z3ph1/CleanCode-NET23/tree/master/assets/Slides%20(2024)/</a:t>
-            </a:r>
-            <a:r>
-              <a:rPr lang="sv-SE">
-                <a:hlinkClick r:id="rId2"/>
-              </a:rPr>
-              <a:t>pdf/6-micro-services-soa</a:t>
-            </a:r>
-            <a:r>
-              <a:rPr lang="sv-SE" dirty="0">
-                <a:hlinkClick r:id="rId2"/>
-              </a:rPr>
-              <a:t>.pdf</a:t>
+              <a:t>https://github.com/z3ph1/CleanCode-NET23/tree/master/assets/Slides%20(2024)/pdf/5-micro-services-soa.pdf</a:t>
             </a:r>
             <a:endParaRPr lang="sv-SE" dirty="0"/>
           </a:p>
@@ -3222,7 +3210,19 @@
               <a:rPr lang="sv-SE" dirty="0">
                 <a:hlinkClick r:id="rId2"/>
               </a:rPr>
-              <a:t>https://github.com/z3ph1/CleanCode-NET23/tree/master/assets/Slides%20(2024)/pdf/9-containers.pdf</a:t>
+              <a:t>https://github.com/z3ph1/CleanCode-NET23/tree/master/assets/Slides%20(2024)/</a:t>
+            </a:r>
+            <a:r>
+              <a:rPr lang="sv-SE">
+                <a:hlinkClick r:id="rId2"/>
+              </a:rPr>
+              <a:t>pdf/6-containers</a:t>
+            </a:r>
+            <a:r>
+              <a:rPr lang="sv-SE" dirty="0">
+                <a:hlinkClick r:id="rId2"/>
+              </a:rPr>
+              <a:t>.pdf</a:t>
             </a:r>
             <a:endParaRPr lang="sv-SE" dirty="0"/>
           </a:p>
